--- a/docs/diagrams/FindSequenceDiagram.pptx
+++ b/docs/diagrams/FindSequenceDiagram.pptx
@@ -104,6 +104,11 @@
       </a:defRPr>
     </a:lvl9pPr>
   </p:defaultTextStyle>
+  <p:extLst>
+    <p:ext uri="{EFAFB233-063F-42B5-8137-9DF3F51BA10A}">
+      <p15:sldGuideLst xmlns:p15="http://schemas.microsoft.com/office/powerpoint/2012/main"/>
+    </p:ext>
+  </p:extLst>
 </p:presentation>
 </file>
 
@@ -256,7 +261,7 @@
           <a:p>
             <a:fld id="{31A987E9-D360-4D91-98F5-9826F037E302}" type="datetimeFigureOut">
               <a:rPr lang="en-SG" smtClean="0"/>
-              <a:t>23/10/2018</a:t>
+              <a:t>9/11/2018</a:t>
             </a:fld>
             <a:endParaRPr lang="en-SG"/>
           </a:p>
@@ -456,7 +461,7 @@
           <a:p>
             <a:fld id="{31A987E9-D360-4D91-98F5-9826F037E302}" type="datetimeFigureOut">
               <a:rPr lang="en-SG" smtClean="0"/>
-              <a:t>23/10/2018</a:t>
+              <a:t>9/11/2018</a:t>
             </a:fld>
             <a:endParaRPr lang="en-SG"/>
           </a:p>
@@ -666,7 +671,7 @@
           <a:p>
             <a:fld id="{31A987E9-D360-4D91-98F5-9826F037E302}" type="datetimeFigureOut">
               <a:rPr lang="en-SG" smtClean="0"/>
-              <a:t>23/10/2018</a:t>
+              <a:t>9/11/2018</a:t>
             </a:fld>
             <a:endParaRPr lang="en-SG"/>
           </a:p>
@@ -866,7 +871,7 @@
           <a:p>
             <a:fld id="{31A987E9-D360-4D91-98F5-9826F037E302}" type="datetimeFigureOut">
               <a:rPr lang="en-SG" smtClean="0"/>
-              <a:t>23/10/2018</a:t>
+              <a:t>9/11/2018</a:t>
             </a:fld>
             <a:endParaRPr lang="en-SG"/>
           </a:p>
@@ -1142,7 +1147,7 @@
           <a:p>
             <a:fld id="{31A987E9-D360-4D91-98F5-9826F037E302}" type="datetimeFigureOut">
               <a:rPr lang="en-SG" smtClean="0"/>
-              <a:t>23/10/2018</a:t>
+              <a:t>9/11/2018</a:t>
             </a:fld>
             <a:endParaRPr lang="en-SG"/>
           </a:p>
@@ -1410,7 +1415,7 @@
           <a:p>
             <a:fld id="{31A987E9-D360-4D91-98F5-9826F037E302}" type="datetimeFigureOut">
               <a:rPr lang="en-SG" smtClean="0"/>
-              <a:t>23/10/2018</a:t>
+              <a:t>9/11/2018</a:t>
             </a:fld>
             <a:endParaRPr lang="en-SG"/>
           </a:p>
@@ -1825,7 +1830,7 @@
           <a:p>
             <a:fld id="{31A987E9-D360-4D91-98F5-9826F037E302}" type="datetimeFigureOut">
               <a:rPr lang="en-SG" smtClean="0"/>
-              <a:t>23/10/2018</a:t>
+              <a:t>9/11/2018</a:t>
             </a:fld>
             <a:endParaRPr lang="en-SG"/>
           </a:p>
@@ -1967,7 +1972,7 @@
           <a:p>
             <a:fld id="{31A987E9-D360-4D91-98F5-9826F037E302}" type="datetimeFigureOut">
               <a:rPr lang="en-SG" smtClean="0"/>
-              <a:t>23/10/2018</a:t>
+              <a:t>9/11/2018</a:t>
             </a:fld>
             <a:endParaRPr lang="en-SG"/>
           </a:p>
@@ -2080,7 +2085,7 @@
           <a:p>
             <a:fld id="{31A987E9-D360-4D91-98F5-9826F037E302}" type="datetimeFigureOut">
               <a:rPr lang="en-SG" smtClean="0"/>
-              <a:t>23/10/2018</a:t>
+              <a:t>9/11/2018</a:t>
             </a:fld>
             <a:endParaRPr lang="en-SG"/>
           </a:p>
@@ -2393,7 +2398,7 @@
           <a:p>
             <a:fld id="{31A987E9-D360-4D91-98F5-9826F037E302}" type="datetimeFigureOut">
               <a:rPr lang="en-SG" smtClean="0"/>
-              <a:t>23/10/2018</a:t>
+              <a:t>9/11/2018</a:t>
             </a:fld>
             <a:endParaRPr lang="en-SG"/>
           </a:p>
@@ -2682,7 +2687,7 @@
           <a:p>
             <a:fld id="{31A987E9-D360-4D91-98F5-9826F037E302}" type="datetimeFigureOut">
               <a:rPr lang="en-SG" smtClean="0"/>
-              <a:t>23/10/2018</a:t>
+              <a:t>9/11/2018</a:t>
             </a:fld>
             <a:endParaRPr lang="en-SG"/>
           </a:p>
@@ -2925,7 +2930,7 @@
           <a:p>
             <a:fld id="{31A987E9-D360-4D91-98F5-9826F037E302}" type="datetimeFigureOut">
               <a:rPr lang="en-SG" smtClean="0"/>
-              <a:t>23/10/2018</a:t>
+              <a:t>9/11/2018</a:t>
             </a:fld>
             <a:endParaRPr lang="en-SG"/>
           </a:p>
@@ -3356,8 +3361,8 @@
         </p:nvGrpSpPr>
         <p:grpSpPr>
           <a:xfrm>
-            <a:off x="1009650" y="1392947"/>
-            <a:ext cx="10172699" cy="4072105"/>
+            <a:off x="954912" y="1371601"/>
+            <a:ext cx="10227438" cy="4093452"/>
             <a:chOff x="38100" y="118895"/>
             <a:chExt cx="10325099" cy="4400926"/>
           </a:xfrm>
@@ -3385,10 +3390,7 @@
               </a:avLst>
             </a:prstGeom>
             <a:solidFill>
-              <a:schemeClr val="accent4">
-                <a:lumMod val="20000"/>
-                <a:lumOff val="80000"/>
-              </a:schemeClr>
+              <a:srgbClr val="E2CFF1"/>
             </a:solidFill>
             <a:ln w="19050">
               <a:noFill/>
@@ -5246,7 +5248,7 @@
           <p:spPr>
             <a:xfrm>
               <a:off x="5739995" y="2750357"/>
-              <a:ext cx="1298078" cy="153888"/>
+              <a:ext cx="1298078" cy="165447"/>
             </a:xfrm>
             <a:prstGeom prst="rect">
               <a:avLst/>
@@ -5356,9 +5358,7 @@
               <a:r>
                 <a:rPr lang="en-US" sz="1000" dirty="0" err="1">
                   <a:solidFill>
-                    <a:schemeClr val="accent4">
-                      <a:lumMod val="75000"/>
-                    </a:schemeClr>
+                    <a:srgbClr val="7030A0"/>
                   </a:solidFill>
                 </a:rPr>
                 <a:t>getFilteredPersonList</a:t>
@@ -5371,7 +5371,6 @@
                 </a:rPr>
                 <a:t>()</a:t>
               </a:r>
-              <a:endParaRPr lang="en-US" sz="1000" dirty="0"/>
             </a:p>
           </p:txBody>
         </p:sp>
@@ -7105,7 +7104,7 @@
           <p:spPr>
             <a:xfrm>
               <a:off x="7126504" y="2975344"/>
-              <a:ext cx="1683324" cy="184666"/>
+              <a:ext cx="1683324" cy="198537"/>
             </a:xfrm>
             <a:prstGeom prst="rect">
               <a:avLst/>
@@ -7226,9 +7225,7 @@
               <a:r>
                 <a:rPr lang="en-US" sz="1000" dirty="0">
                   <a:solidFill>
-                    <a:schemeClr val="accent4">
-                      <a:lumMod val="75000"/>
-                    </a:schemeClr>
+                    <a:srgbClr val="7030A0"/>
                   </a:solidFill>
                 </a:rPr>
                 <a:t>(</a:t>
@@ -7236,9 +7233,7 @@
               <a:r>
                 <a:rPr lang="en-US" sz="1200" dirty="0">
                   <a:solidFill>
-                    <a:schemeClr val="accent4">
-                      <a:lumMod val="75000"/>
-                    </a:schemeClr>
+                    <a:srgbClr val="7030A0"/>
                   </a:solidFill>
                 </a:rPr>
                 <a:t>)</a:t>

--- a/docs/diagrams/FindSequenceDiagram.pptx
+++ b/docs/diagrams/FindSequenceDiagram.pptx
@@ -4838,7 +4838,7 @@
           <p:spPr>
             <a:xfrm>
               <a:off x="3160446" y="2484072"/>
-              <a:ext cx="938785" cy="299367"/>
+              <a:ext cx="938785" cy="231627"/>
             </a:xfrm>
             <a:prstGeom prst="rect">
               <a:avLst/>
@@ -4946,7 +4946,7 @@
             </a:lstStyle>
             <a:p>
               <a:r>
-                <a:rPr lang="en-US" dirty="0"/>
+                <a:rPr lang="en-US" sz="1400" dirty="0"/>
                 <a:t>execute()</a:t>
               </a:r>
             </a:p>
@@ -5389,7 +5389,7 @@
           <p:spPr>
             <a:xfrm>
               <a:off x="1758972" y="1106150"/>
-              <a:ext cx="2205885" cy="299367"/>
+              <a:ext cx="2205885" cy="231627"/>
             </a:xfrm>
             <a:prstGeom prst="rect">
               <a:avLst/>
@@ -5497,11 +5497,11 @@
             </a:lstStyle>
             <a:p>
               <a:r>
-                <a:rPr lang="en-US" dirty="0" err="1"/>
+                <a:rPr lang="en-US" sz="1400" dirty="0" err="1"/>
                 <a:t>parseCommand</a:t>
               </a:r>
               <a:r>
-                <a:rPr lang="en-US" dirty="0"/>
+                <a:rPr lang="en-US" sz="1400" dirty="0"/>
                 <a:t>(“find”)</a:t>
               </a:r>
             </a:p>
@@ -5522,7 +5522,7 @@
           <p:spPr>
             <a:xfrm>
               <a:off x="3272755" y="3791076"/>
-              <a:ext cx="621216" cy="215444"/>
+              <a:ext cx="621216" cy="231627"/>
             </a:xfrm>
             <a:prstGeom prst="rect">
               <a:avLst/>
@@ -5630,7 +5630,7 @@
             </a:lstStyle>
             <a:p>
               <a:r>
-                <a:rPr lang="en-US" dirty="0"/>
+                <a:rPr lang="en-US" sz="1400" dirty="0"/>
                 <a:t>result</a:t>
               </a:r>
             </a:p>
@@ -5651,7 +5651,7 @@
           <p:spPr>
             <a:xfrm>
               <a:off x="645270" y="3945901"/>
-              <a:ext cx="762000" cy="215444"/>
+              <a:ext cx="762000" cy="231627"/>
             </a:xfrm>
             <a:prstGeom prst="rect">
               <a:avLst/>
@@ -5759,7 +5759,7 @@
             </a:lstStyle>
             <a:p>
               <a:r>
-                <a:rPr lang="en-US" dirty="0"/>
+                <a:rPr lang="en-US" sz="1400" dirty="0"/>
                 <a:t>result</a:t>
               </a:r>
             </a:p>
@@ -6094,7 +6094,7 @@
           <p:spPr>
             <a:xfrm>
               <a:off x="2724792" y="1905793"/>
-              <a:ext cx="220343" cy="299367"/>
+              <a:ext cx="220343" cy="231627"/>
             </a:xfrm>
             <a:prstGeom prst="rect">
               <a:avLst/>
@@ -6202,7 +6202,7 @@
             </a:lstStyle>
             <a:p>
               <a:r>
-                <a:rPr lang="en-US" dirty="0"/>
+                <a:rPr lang="en-US" sz="1400" dirty="0"/>
                 <a:t>fi</a:t>
               </a:r>
             </a:p>

--- a/docs/diagrams/FindSequenceDiagram.pptx
+++ b/docs/diagrams/FindSequenceDiagram.pptx
@@ -261,7 +261,7 @@
           <a:p>
             <a:fld id="{31A987E9-D360-4D91-98F5-9826F037E302}" type="datetimeFigureOut">
               <a:rPr lang="en-SG" smtClean="0"/>
-              <a:t>9/11/2018</a:t>
+              <a:t>11/11/2018</a:t>
             </a:fld>
             <a:endParaRPr lang="en-SG"/>
           </a:p>
@@ -461,7 +461,7 @@
           <a:p>
             <a:fld id="{31A987E9-D360-4D91-98F5-9826F037E302}" type="datetimeFigureOut">
               <a:rPr lang="en-SG" smtClean="0"/>
-              <a:t>9/11/2018</a:t>
+              <a:t>11/11/2018</a:t>
             </a:fld>
             <a:endParaRPr lang="en-SG"/>
           </a:p>
@@ -671,7 +671,7 @@
           <a:p>
             <a:fld id="{31A987E9-D360-4D91-98F5-9826F037E302}" type="datetimeFigureOut">
               <a:rPr lang="en-SG" smtClean="0"/>
-              <a:t>9/11/2018</a:t>
+              <a:t>11/11/2018</a:t>
             </a:fld>
             <a:endParaRPr lang="en-SG"/>
           </a:p>
@@ -871,7 +871,7 @@
           <a:p>
             <a:fld id="{31A987E9-D360-4D91-98F5-9826F037E302}" type="datetimeFigureOut">
               <a:rPr lang="en-SG" smtClean="0"/>
-              <a:t>9/11/2018</a:t>
+              <a:t>11/11/2018</a:t>
             </a:fld>
             <a:endParaRPr lang="en-SG"/>
           </a:p>
@@ -1147,7 +1147,7 @@
           <a:p>
             <a:fld id="{31A987E9-D360-4D91-98F5-9826F037E302}" type="datetimeFigureOut">
               <a:rPr lang="en-SG" smtClean="0"/>
-              <a:t>9/11/2018</a:t>
+              <a:t>11/11/2018</a:t>
             </a:fld>
             <a:endParaRPr lang="en-SG"/>
           </a:p>
@@ -1415,7 +1415,7 @@
           <a:p>
             <a:fld id="{31A987E9-D360-4D91-98F5-9826F037E302}" type="datetimeFigureOut">
               <a:rPr lang="en-SG" smtClean="0"/>
-              <a:t>9/11/2018</a:t>
+              <a:t>11/11/2018</a:t>
             </a:fld>
             <a:endParaRPr lang="en-SG"/>
           </a:p>
@@ -1830,7 +1830,7 @@
           <a:p>
             <a:fld id="{31A987E9-D360-4D91-98F5-9826F037E302}" type="datetimeFigureOut">
               <a:rPr lang="en-SG" smtClean="0"/>
-              <a:t>9/11/2018</a:t>
+              <a:t>11/11/2018</a:t>
             </a:fld>
             <a:endParaRPr lang="en-SG"/>
           </a:p>
@@ -1972,7 +1972,7 @@
           <a:p>
             <a:fld id="{31A987E9-D360-4D91-98F5-9826F037E302}" type="datetimeFigureOut">
               <a:rPr lang="en-SG" smtClean="0"/>
-              <a:t>9/11/2018</a:t>
+              <a:t>11/11/2018</a:t>
             </a:fld>
             <a:endParaRPr lang="en-SG"/>
           </a:p>
@@ -2085,7 +2085,7 @@
           <a:p>
             <a:fld id="{31A987E9-D360-4D91-98F5-9826F037E302}" type="datetimeFigureOut">
               <a:rPr lang="en-SG" smtClean="0"/>
-              <a:t>9/11/2018</a:t>
+              <a:t>11/11/2018</a:t>
             </a:fld>
             <a:endParaRPr lang="en-SG"/>
           </a:p>
@@ -2398,7 +2398,7 @@
           <a:p>
             <a:fld id="{31A987E9-D360-4D91-98F5-9826F037E302}" type="datetimeFigureOut">
               <a:rPr lang="en-SG" smtClean="0"/>
-              <a:t>9/11/2018</a:t>
+              <a:t>11/11/2018</a:t>
             </a:fld>
             <a:endParaRPr lang="en-SG"/>
           </a:p>
@@ -2687,7 +2687,7 @@
           <a:p>
             <a:fld id="{31A987E9-D360-4D91-98F5-9826F037E302}" type="datetimeFigureOut">
               <a:rPr lang="en-SG" smtClean="0"/>
-              <a:t>9/11/2018</a:t>
+              <a:t>11/11/2018</a:t>
             </a:fld>
             <a:endParaRPr lang="en-SG"/>
           </a:p>
@@ -2930,7 +2930,7 @@
           <a:p>
             <a:fld id="{31A987E9-D360-4D91-98F5-9826F037E302}" type="datetimeFigureOut">
               <a:rPr lang="en-SG" smtClean="0"/>
-              <a:t>9/11/2018</a:t>
+              <a:t>11/11/2018</a:t>
             </a:fld>
             <a:endParaRPr lang="en-SG"/>
           </a:p>
@@ -4946,7 +4946,11 @@
             </a:lstStyle>
             <a:p>
               <a:r>
-                <a:rPr lang="en-US" sz="1400" dirty="0"/>
+                <a:rPr lang="en-US" sz="1400" dirty="0">
+                  <a:solidFill>
+                    <a:srgbClr val="0070C0"/>
+                  </a:solidFill>
+                </a:rPr>
                 <a:t>execute()</a:t>
               </a:r>
             </a:p>
@@ -5497,11 +5501,19 @@
             </a:lstStyle>
             <a:p>
               <a:r>
-                <a:rPr lang="en-US" sz="1400" dirty="0" err="1"/>
+                <a:rPr lang="en-US" sz="1400" dirty="0" err="1">
+                  <a:solidFill>
+                    <a:srgbClr val="0070C0"/>
+                  </a:solidFill>
+                </a:rPr>
                 <a:t>parseCommand</a:t>
               </a:r>
               <a:r>
-                <a:rPr lang="en-US" sz="1400" dirty="0"/>
+                <a:rPr lang="en-US" sz="1400" dirty="0">
+                  <a:solidFill>
+                    <a:srgbClr val="0070C0"/>
+                  </a:solidFill>
+                </a:rPr>
                 <a:t>(“find”)</a:t>
               </a:r>
             </a:p>
@@ -5630,7 +5642,11 @@
             </a:lstStyle>
             <a:p>
               <a:r>
-                <a:rPr lang="en-US" sz="1400" dirty="0"/>
+                <a:rPr lang="en-US" sz="1400" dirty="0">
+                  <a:solidFill>
+                    <a:srgbClr val="0070C0"/>
+                  </a:solidFill>
+                </a:rPr>
                 <a:t>result</a:t>
               </a:r>
             </a:p>
@@ -5759,7 +5775,11 @@
             </a:lstStyle>
             <a:p>
               <a:r>
-                <a:rPr lang="en-US" sz="1400" dirty="0"/>
+                <a:rPr lang="en-US" sz="1400" dirty="0">
+                  <a:solidFill>
+                    <a:srgbClr val="0070C0"/>
+                  </a:solidFill>
+                </a:rPr>
                 <a:t>result</a:t>
               </a:r>
             </a:p>
@@ -6202,7 +6222,11 @@
             </a:lstStyle>
             <a:p>
               <a:r>
-                <a:rPr lang="en-US" sz="1400" dirty="0"/>
+                <a:rPr lang="en-US" sz="1400" dirty="0">
+                  <a:solidFill>
+                    <a:srgbClr val="0070C0"/>
+                  </a:solidFill>
+                </a:rPr>
                 <a:t>fi</a:t>
               </a:r>
             </a:p>

--- a/docs/diagrams/FindSequenceDiagram.pptx
+++ b/docs/diagrams/FindSequenceDiagram.pptx
@@ -261,7 +261,7 @@
           <a:p>
             <a:fld id="{31A987E9-D360-4D91-98F5-9826F037E302}" type="datetimeFigureOut">
               <a:rPr lang="en-SG" smtClean="0"/>
-              <a:t>11/11/2018</a:t>
+              <a:t>12/11/2018</a:t>
             </a:fld>
             <a:endParaRPr lang="en-SG"/>
           </a:p>
@@ -461,7 +461,7 @@
           <a:p>
             <a:fld id="{31A987E9-D360-4D91-98F5-9826F037E302}" type="datetimeFigureOut">
               <a:rPr lang="en-SG" smtClean="0"/>
-              <a:t>11/11/2018</a:t>
+              <a:t>12/11/2018</a:t>
             </a:fld>
             <a:endParaRPr lang="en-SG"/>
           </a:p>
@@ -671,7 +671,7 @@
           <a:p>
             <a:fld id="{31A987E9-D360-4D91-98F5-9826F037E302}" type="datetimeFigureOut">
               <a:rPr lang="en-SG" smtClean="0"/>
-              <a:t>11/11/2018</a:t>
+              <a:t>12/11/2018</a:t>
             </a:fld>
             <a:endParaRPr lang="en-SG"/>
           </a:p>
@@ -871,7 +871,7 @@
           <a:p>
             <a:fld id="{31A987E9-D360-4D91-98F5-9826F037E302}" type="datetimeFigureOut">
               <a:rPr lang="en-SG" smtClean="0"/>
-              <a:t>11/11/2018</a:t>
+              <a:t>12/11/2018</a:t>
             </a:fld>
             <a:endParaRPr lang="en-SG"/>
           </a:p>
@@ -1147,7 +1147,7 @@
           <a:p>
             <a:fld id="{31A987E9-D360-4D91-98F5-9826F037E302}" type="datetimeFigureOut">
               <a:rPr lang="en-SG" smtClean="0"/>
-              <a:t>11/11/2018</a:t>
+              <a:t>12/11/2018</a:t>
             </a:fld>
             <a:endParaRPr lang="en-SG"/>
           </a:p>
@@ -1415,7 +1415,7 @@
           <a:p>
             <a:fld id="{31A987E9-D360-4D91-98F5-9826F037E302}" type="datetimeFigureOut">
               <a:rPr lang="en-SG" smtClean="0"/>
-              <a:t>11/11/2018</a:t>
+              <a:t>12/11/2018</a:t>
             </a:fld>
             <a:endParaRPr lang="en-SG"/>
           </a:p>
@@ -1830,7 +1830,7 @@
           <a:p>
             <a:fld id="{31A987E9-D360-4D91-98F5-9826F037E302}" type="datetimeFigureOut">
               <a:rPr lang="en-SG" smtClean="0"/>
-              <a:t>11/11/2018</a:t>
+              <a:t>12/11/2018</a:t>
             </a:fld>
             <a:endParaRPr lang="en-SG"/>
           </a:p>
@@ -1972,7 +1972,7 @@
           <a:p>
             <a:fld id="{31A987E9-D360-4D91-98F5-9826F037E302}" type="datetimeFigureOut">
               <a:rPr lang="en-SG" smtClean="0"/>
-              <a:t>11/11/2018</a:t>
+              <a:t>12/11/2018</a:t>
             </a:fld>
             <a:endParaRPr lang="en-SG"/>
           </a:p>
@@ -2085,7 +2085,7 @@
           <a:p>
             <a:fld id="{31A987E9-D360-4D91-98F5-9826F037E302}" type="datetimeFigureOut">
               <a:rPr lang="en-SG" smtClean="0"/>
-              <a:t>11/11/2018</a:t>
+              <a:t>12/11/2018</a:t>
             </a:fld>
             <a:endParaRPr lang="en-SG"/>
           </a:p>
@@ -2398,7 +2398,7 @@
           <a:p>
             <a:fld id="{31A987E9-D360-4D91-98F5-9826F037E302}" type="datetimeFigureOut">
               <a:rPr lang="en-SG" smtClean="0"/>
-              <a:t>11/11/2018</a:t>
+              <a:t>12/11/2018</a:t>
             </a:fld>
             <a:endParaRPr lang="en-SG"/>
           </a:p>
@@ -2687,7 +2687,7 @@
           <a:p>
             <a:fld id="{31A987E9-D360-4D91-98F5-9826F037E302}" type="datetimeFigureOut">
               <a:rPr lang="en-SG" smtClean="0"/>
-              <a:t>11/11/2018</a:t>
+              <a:t>12/11/2018</a:t>
             </a:fld>
             <a:endParaRPr lang="en-SG"/>
           </a:p>
@@ -2930,7 +2930,7 @@
           <a:p>
             <a:fld id="{31A987E9-D360-4D91-98F5-9826F037E302}" type="datetimeFigureOut">
               <a:rPr lang="en-SG" smtClean="0"/>
-              <a:t>11/11/2018</a:t>
+              <a:t>12/11/2018</a:t>
             </a:fld>
             <a:endParaRPr lang="en-SG"/>
           </a:p>
@@ -6909,7 +6909,7 @@
                     <a:schemeClr val="bg1"/>
                   </a:solidFill>
                 </a:rPr>
-                <a:t>fi:Filter</a:t>
+                <a:t>fi:Find</a:t>
               </a:r>
               <a:br>
                 <a:rPr lang="en-US" sz="1600" dirty="0">
